--- a/docs/diagrams/SecurityParseCommandsSequenceDiagram.pptx
+++ b/docs/diagrams/SecurityParseCommandsSequenceDiagram.pptx
@@ -7813,7 +7813,7 @@
         <p:spPr>
           <a:xfrm>
             <a:off x="8485462" y="673567"/>
-            <a:ext cx="0" cy="4889033"/>
+            <a:ext cx="0" cy="4965233"/>
           </a:xfrm>
           <a:prstGeom prst="line">
             <a:avLst/>
@@ -9275,7 +9275,7 @@
         <p:spPr>
           <a:xfrm>
             <a:off x="9799202" y="666493"/>
-            <a:ext cx="0" cy="4553086"/>
+            <a:ext cx="0" cy="4972307"/>
           </a:xfrm>
           <a:prstGeom prst="line">
             <a:avLst/>
@@ -9839,8 +9839,8 @@
         </p:nvCxnSpPr>
         <p:spPr>
           <a:xfrm>
-            <a:off x="386390" y="5544910"/>
-            <a:ext cx="1411999" cy="701"/>
+            <a:off x="838200" y="5545611"/>
+            <a:ext cx="960189" cy="0"/>
           </a:xfrm>
           <a:prstGeom prst="straightConnector1">
             <a:avLst/>
@@ -9950,8 +9950,8 @@
         </p:nvCxnSpPr>
         <p:spPr>
           <a:xfrm>
-            <a:off x="-304800" y="1094781"/>
-            <a:ext cx="2050177" cy="0"/>
+            <a:off x="838200" y="1094781"/>
+            <a:ext cx="907177" cy="0"/>
           </a:xfrm>
           <a:prstGeom prst="straightConnector1">
             <a:avLst/>
@@ -10045,7 +10045,7 @@
         <p:spPr>
           <a:xfrm>
             <a:off x="3849059" y="750180"/>
-            <a:ext cx="0" cy="5021516"/>
+            <a:ext cx="0" cy="5041020"/>
           </a:xfrm>
           <a:prstGeom prst="line">
             <a:avLst/>
